--- a/Buoi04_Nhom_1_Bài_2.pptx
+++ b/Buoi04_Nhom_1_Bài_2.pptx
@@ -11457,18 +11457,34 @@
           <a:lstStyle/>
           <a:p>
             <a:r>
-              <a:rPr lang="vi-VN" dirty="0"/>
+              <a:rPr lang="vi-VN" dirty="0">
+                <a:solidFill>
+                  <a:srgbClr val="FF0000"/>
+                </a:solidFill>
+              </a:rPr>
               <a:t>KHOA </a:t>
             </a:r>
             <a:r>
-              <a:rPr lang="vi-VN" dirty="0" err="1"/>
+              <a:rPr lang="vi-VN" dirty="0" err="1">
+                <a:solidFill>
+                  <a:srgbClr val="FF0000"/>
+                </a:solidFill>
+              </a:rPr>
               <a:t>KHOA</a:t>
             </a:r>
             <a:r>
-              <a:rPr lang="vi-VN" dirty="0"/>
+              <a:rPr lang="vi-VN" dirty="0">
+                <a:solidFill>
+                  <a:srgbClr val="FF0000"/>
+                </a:solidFill>
+              </a:rPr>
               <a:t> HỌC TỰ NHIÊN</a:t>
             </a:r>
-            <a:endParaRPr lang="vi-VN" dirty="0"/>
+            <a:endParaRPr lang="vi-VN" dirty="0">
+              <a:solidFill>
+                <a:srgbClr val="FF0000"/>
+              </a:solidFill>
+            </a:endParaRPr>
           </a:p>
           <a:p>
             <a:pPr lvl="1"/>
